--- a/ppt/05_Wrap-Up.pptx
+++ b/ppt/05_Wrap-Up.pptx
@@ -5,17 +5,16 @@
     <p:sldMasterId id="2147483648" r:id="rId4"/>
   </p:sldMasterIdLst>
   <p:notesMasterIdLst>
-    <p:notesMasterId r:id="rId13"/>
+    <p:notesMasterId r:id="rId12"/>
   </p:notesMasterIdLst>
   <p:sldIdLst>
     <p:sldId id="308" r:id="rId5"/>
     <p:sldId id="2147138232" r:id="rId6"/>
     <p:sldId id="2147138231" r:id="rId7"/>
     <p:sldId id="2147138230" r:id="rId8"/>
-    <p:sldId id="2147138229" r:id="rId9"/>
-    <p:sldId id="268" r:id="rId10"/>
-    <p:sldId id="2147138224" r:id="rId11"/>
-    <p:sldId id="2147138225" r:id="rId12"/>
+    <p:sldId id="2147138233" r:id="rId9"/>
+    <p:sldId id="2147138229" r:id="rId10"/>
+    <p:sldId id="268" r:id="rId11"/>
   </p:sldIdLst>
   <p:sldSz cx="12192000" cy="6858000"/>
   <p:notesSz cx="6858000" cy="9144000"/>
@@ -123,14 +122,13 @@
             <p14:sldId id="2147138232"/>
             <p14:sldId id="2147138231"/>
             <p14:sldId id="2147138230"/>
+            <p14:sldId id="2147138233"/>
             <p14:sldId id="2147138229"/>
           </p14:sldIdLst>
         </p14:section>
         <p14:section name="Closing slide" id="{11C5BCDD-05AC-405B-8582-D9D1C38F3D19}">
           <p14:sldIdLst>
             <p14:sldId id="268"/>
-            <p14:sldId id="2147138224"/>
-            <p14:sldId id="2147138225"/>
           </p14:sldIdLst>
         </p14:section>
       </p14:sectionLst>
@@ -9873,7 +9871,7 @@
             <a:fld id="{1DE7078C-3525-4C9B-BF62-C9FD13B9A875}" type="datetimeFigureOut">
               <a:rPr lang="en-US" smtClean="0"/>
               <a:pPr/>
-              <a:t>10/16/24</a:t>
+              <a:t>11/22/24</a:t>
             </a:fld>
             <a:endParaRPr lang="en-US" dirty="0"/>
           </a:p>
@@ -10290,6 +10288,120 @@
   <p:cSld>
     <p:spTree>
       <p:nvGrpSpPr>
+        <p:cNvPr id="1" name="">
+          <a:extLst>
+            <a:ext uri="{FF2B5EF4-FFF2-40B4-BE49-F238E27FC236}">
+              <a16:creationId xmlns:a16="http://schemas.microsoft.com/office/drawing/2014/main" id="{403E3D9A-EAEB-23E6-25FA-02AC0E09316E}"/>
+            </a:ext>
+          </a:extLst>
+        </p:cNvPr>
+        <p:cNvGrpSpPr/>
+        <p:nvPr/>
+      </p:nvGrpSpPr>
+      <p:grpSpPr>
+        <a:xfrm>
+          <a:off x="0" y="0"/>
+          <a:ext cx="0" cy="0"/>
+          <a:chOff x="0" y="0"/>
+          <a:chExt cx="0" cy="0"/>
+        </a:xfrm>
+      </p:grpSpPr>
+      <p:sp>
+        <p:nvSpPr>
+          <p:cNvPr id="2" name="Slide Image Placeholder 1">
+            <a:extLst>
+              <a:ext uri="{FF2B5EF4-FFF2-40B4-BE49-F238E27FC236}">
+                <a16:creationId xmlns:a16="http://schemas.microsoft.com/office/drawing/2014/main" id="{77028755-432F-887C-8998-DC035CA0D61D}"/>
+              </a:ext>
+            </a:extLst>
+          </p:cNvPr>
+          <p:cNvSpPr>
+            <a:spLocks noGrp="1" noRot="1" noChangeAspect="1"/>
+          </p:cNvSpPr>
+          <p:nvPr>
+            <p:ph type="sldImg"/>
+          </p:nvPr>
+        </p:nvSpPr>
+        <p:spPr>
+          <a:xfrm>
+            <a:off x="50800" y="274638"/>
+            <a:ext cx="4733925" cy="2662237"/>
+          </a:xfrm>
+        </p:spPr>
+      </p:sp>
+      <p:sp>
+        <p:nvSpPr>
+          <p:cNvPr id="3" name="Notes Placeholder 2">
+            <a:extLst>
+              <a:ext uri="{FF2B5EF4-FFF2-40B4-BE49-F238E27FC236}">
+                <a16:creationId xmlns:a16="http://schemas.microsoft.com/office/drawing/2014/main" id="{86D17D12-7A8C-508B-A43C-6BB297E5A1E9}"/>
+              </a:ext>
+            </a:extLst>
+          </p:cNvPr>
+          <p:cNvSpPr>
+            <a:spLocks noGrp="1"/>
+          </p:cNvSpPr>
+          <p:nvPr>
+            <p:ph type="body" idx="1"/>
+          </p:nvPr>
+        </p:nvSpPr>
+        <p:spPr/>
+        <p:txBody>
+          <a:bodyPr/>
+          <a:lstStyle/>
+          <a:p>
+            <a:endParaRPr lang="en-CH" dirty="0"/>
+          </a:p>
+        </p:txBody>
+      </p:sp>
+      <p:sp>
+        <p:nvSpPr>
+          <p:cNvPr id="4" name="Slide Number Placeholder 3">
+            <a:extLst>
+              <a:ext uri="{FF2B5EF4-FFF2-40B4-BE49-F238E27FC236}">
+                <a16:creationId xmlns:a16="http://schemas.microsoft.com/office/drawing/2014/main" id="{3093ADE2-E1B5-931F-0E23-4C8275562673}"/>
+              </a:ext>
+            </a:extLst>
+          </p:cNvPr>
+          <p:cNvSpPr>
+            <a:spLocks noGrp="1"/>
+          </p:cNvSpPr>
+          <p:nvPr>
+            <p:ph type="sldNum" sz="quarter" idx="5"/>
+          </p:nvPr>
+        </p:nvSpPr>
+        <p:spPr/>
+        <p:txBody>
+          <a:bodyPr/>
+          <a:lstStyle/>
+          <a:p>
+            <a:fld id="{436E8A87-18DA-4CCE-A8C2-BDBC489258C6}" type="slidenum">
+              <a:rPr lang="en-US" smtClean="0"/>
+              <a:pPr/>
+              <a:t>5</a:t>
+            </a:fld>
+            <a:endParaRPr lang="en-US" dirty="0"/>
+          </a:p>
+        </p:txBody>
+      </p:sp>
+    </p:spTree>
+    <p:extLst>
+      <p:ext uri="{BB962C8B-B14F-4D97-AF65-F5344CB8AC3E}">
+        <p14:creationId xmlns:p14="http://schemas.microsoft.com/office/powerpoint/2010/main" val="1978809461"/>
+      </p:ext>
+    </p:extLst>
+  </p:cSld>
+  <p:clrMapOvr>
+    <a:masterClrMapping/>
+  </p:clrMapOvr>
+</p:notes>
+</file>
+
+<file path=ppt/notesSlides/notesSlide4.xml><?xml version="1.0" encoding="utf-8"?>
+<p:notes xmlns:a="http://schemas.openxmlformats.org/drawingml/2006/main" xmlns:r="http://schemas.openxmlformats.org/officeDocument/2006/relationships" xmlns:p="http://schemas.openxmlformats.org/presentationml/2006/main">
+  <p:cSld>
+    <p:spTree>
+      <p:nvGrpSpPr>
         <p:cNvPr id="1" name=""/>
         <p:cNvGrpSpPr/>
         <p:nvPr/>
@@ -10356,7 +10468,7 @@
             <a:fld id="{436E8A87-18DA-4CCE-A8C2-BDBC489258C6}" type="slidenum">
               <a:rPr lang="en-US" smtClean="0"/>
               <a:pPr/>
-              <a:t>5</a:t>
+              <a:t>6</a:t>
             </a:fld>
             <a:endParaRPr lang="en-US" dirty="0"/>
           </a:p>
@@ -42575,431 +42687,6 @@
 </p:sldLayout>
 </file>
 
-<file path=ppt/slideLayouts/slideLayout49.xml><?xml version="1.0" encoding="utf-8"?>
-<p:sldLayout xmlns:a="http://schemas.openxmlformats.org/drawingml/2006/main" xmlns:r="http://schemas.openxmlformats.org/officeDocument/2006/relationships" xmlns:p="http://schemas.openxmlformats.org/presentationml/2006/main" userDrawn="1">
-  <p:cSld name="Long Headline-subtitle and 2 Codeblock">
-    <p:spTree>
-      <p:nvGrpSpPr>
-        <p:cNvPr id="1" name=""/>
-        <p:cNvGrpSpPr/>
-        <p:nvPr/>
-      </p:nvGrpSpPr>
-      <p:grpSpPr>
-        <a:xfrm>
-          <a:off x="0" y="0"/>
-          <a:ext cx="0" cy="0"/>
-          <a:chOff x="0" y="0"/>
-          <a:chExt cx="0" cy="0"/>
-        </a:xfrm>
-      </p:grpSpPr>
-      <p:sp>
-        <p:nvSpPr>
-          <p:cNvPr id="2" name="Title 1">
-            <a:extLst>
-              <a:ext uri="{FF2B5EF4-FFF2-40B4-BE49-F238E27FC236}">
-                <a16:creationId xmlns:a16="http://schemas.microsoft.com/office/drawing/2014/main" id="{309EC595-3BDB-489C-AB5C-4C48BF9B07CB}"/>
-              </a:ext>
-            </a:extLst>
-          </p:cNvPr>
-          <p:cNvSpPr>
-            <a:spLocks noGrp="1"/>
-          </p:cNvSpPr>
-          <p:nvPr>
-            <p:ph type="title" hasCustomPrompt="1"/>
-          </p:nvPr>
-        </p:nvSpPr>
-        <p:spPr>
-          <a:xfrm>
-            <a:off x="381000" y="381000"/>
-            <a:ext cx="11430000" cy="800100"/>
-          </a:xfrm>
-        </p:spPr>
-        <p:txBody>
-          <a:bodyPr/>
-          <a:lstStyle>
-            <a:lvl1pPr>
-              <a:defRPr sz="3600"/>
-            </a:lvl1pPr>
-          </a:lstStyle>
-          <a:p>
-            <a:r>
-              <a:rPr lang="en-GB" dirty="0"/>
-              <a:t>Place headline here (36pt, min 30pt)</a:t>
-            </a:r>
-            <a:endParaRPr lang="en-US" dirty="0"/>
-          </a:p>
-        </p:txBody>
-      </p:sp>
-      <p:sp>
-        <p:nvSpPr>
-          <p:cNvPr id="8" name="Content Placeholder 7">
-            <a:extLst>
-              <a:ext uri="{FF2B5EF4-FFF2-40B4-BE49-F238E27FC236}">
-                <a16:creationId xmlns:a16="http://schemas.microsoft.com/office/drawing/2014/main" id="{2A49B96C-8E74-4C8B-BDE4-9B82801CA0EE}"/>
-              </a:ext>
-            </a:extLst>
-          </p:cNvPr>
-          <p:cNvSpPr>
-            <a:spLocks noGrp="1"/>
-          </p:cNvSpPr>
-          <p:nvPr>
-            <p:ph sz="quarter" idx="10" hasCustomPrompt="1"/>
-          </p:nvPr>
-        </p:nvSpPr>
-        <p:spPr>
-          <a:xfrm>
-            <a:off x="381000" y="1949194"/>
-            <a:ext cx="11430000" cy="753366"/>
-          </a:xfrm>
-        </p:spPr>
-        <p:txBody>
-          <a:bodyPr/>
-          <a:lstStyle/>
-          <a:p>
-            <a:pPr lvl="0"/>
-            <a:r>
-              <a:rPr lang="en-US" dirty="0"/>
-              <a:t>Place text here</a:t>
-            </a:r>
-          </a:p>
-          <a:p>
-            <a:pPr lvl="1"/>
-            <a:r>
-              <a:rPr lang="en-US" dirty="0"/>
-              <a:t>Second level</a:t>
-            </a:r>
-          </a:p>
-        </p:txBody>
-      </p:sp>
-      <p:sp>
-        <p:nvSpPr>
-          <p:cNvPr id="4" name="Text Placeholder 3">
-            <a:extLst>
-              <a:ext uri="{FF2B5EF4-FFF2-40B4-BE49-F238E27FC236}">
-                <a16:creationId xmlns:a16="http://schemas.microsoft.com/office/drawing/2014/main" id="{BB385C65-6BFC-4F61-A214-71B69537BB4B}"/>
-              </a:ext>
-            </a:extLst>
-          </p:cNvPr>
-          <p:cNvSpPr>
-            <a:spLocks noGrp="1"/>
-          </p:cNvSpPr>
-          <p:nvPr>
-            <p:ph type="body" sz="quarter" idx="11" hasCustomPrompt="1"/>
-          </p:nvPr>
-        </p:nvSpPr>
-        <p:spPr>
-          <a:xfrm>
-            <a:off x="381000" y="1234440"/>
-            <a:ext cx="11430000" cy="384048"/>
-          </a:xfrm>
-        </p:spPr>
-        <p:txBody>
-          <a:bodyPr anchor="t"/>
-          <a:lstStyle>
-            <a:lvl1pPr marL="0" indent="0">
-              <a:spcAft>
-                <a:spcPts val="0"/>
-              </a:spcAft>
-              <a:buNone/>
-              <a:defRPr>
-                <a:solidFill>
-                  <a:schemeClr val="accent1"/>
-                </a:solidFill>
-                <a:latin typeface="GT Sectra Fine Rg" panose="00000500000000000000" pitchFamily="50" charset="0"/>
-              </a:defRPr>
-            </a:lvl1pPr>
-          </a:lstStyle>
-          <a:p>
-            <a:pPr lvl="0"/>
-            <a:r>
-              <a:rPr lang="en-US" dirty="0"/>
-              <a:t>Place subtitle here 20pt</a:t>
-            </a:r>
-          </a:p>
-        </p:txBody>
-      </p:sp>
-      <p:sp>
-        <p:nvSpPr>
-          <p:cNvPr id="9" name="Footer Placeholder 3">
-            <a:extLst>
-              <a:ext uri="{FF2B5EF4-FFF2-40B4-BE49-F238E27FC236}">
-                <a16:creationId xmlns:a16="http://schemas.microsoft.com/office/drawing/2014/main" id="{06E1154F-E5DD-468F-85D1-17FC4F4386D8}"/>
-              </a:ext>
-            </a:extLst>
-          </p:cNvPr>
-          <p:cNvSpPr>
-            <a:spLocks noGrp="1"/>
-          </p:cNvSpPr>
-          <p:nvPr>
-            <p:ph type="ftr" sz="quarter" idx="3"/>
-          </p:nvPr>
-        </p:nvSpPr>
-        <p:spPr>
-          <a:xfrm>
-            <a:off x="7315200" y="6488234"/>
-            <a:ext cx="4114800" cy="198318"/>
-          </a:xfrm>
-          <a:prstGeom prst="rect">
-            <a:avLst/>
-          </a:prstGeom>
-          <a:noFill/>
-        </p:spPr>
-        <p:txBody>
-          <a:bodyPr wrap="square" lIns="0" tIns="0" rIns="0" bIns="0" rtlCol="0" anchor="ctr">
-            <a:noAutofit/>
-          </a:bodyPr>
-          <a:lstStyle>
-            <a:lvl1pPr algn="r">
-              <a:defRPr lang="en-US" sz="800" kern="1200" dirty="0">
-                <a:solidFill>
-                  <a:schemeClr val="tx1">
-                    <a:alpha val="75000"/>
-                  </a:schemeClr>
-                </a:solidFill>
-                <a:latin typeface="+mn-lt"/>
-                <a:ea typeface="+mn-ea"/>
-                <a:cs typeface="+mn-cs"/>
-              </a:defRPr>
-            </a:lvl1pPr>
-          </a:lstStyle>
-          <a:p>
-            <a:pPr algn="r" defTabSz="228600">
-              <a:spcAft>
-                <a:spcPts val="1200"/>
-              </a:spcAft>
-              <a:defRPr/>
-            </a:pPr>
-            <a:r>
-              <a:rPr lang="en-GB"/>
-              <a:t>Copyright © 2024 Accenture. All rights reserved.</a:t>
-            </a:r>
-            <a:endParaRPr lang="en-GB" dirty="0"/>
-          </a:p>
-        </p:txBody>
-      </p:sp>
-      <p:sp>
-        <p:nvSpPr>
-          <p:cNvPr id="3" name="Slide Number Placeholder 2">
-            <a:extLst>
-              <a:ext uri="{FF2B5EF4-FFF2-40B4-BE49-F238E27FC236}">
-                <a16:creationId xmlns:a16="http://schemas.microsoft.com/office/drawing/2014/main" id="{B5699EEA-1839-42AE-A096-1905CABA2755}"/>
-              </a:ext>
-            </a:extLst>
-          </p:cNvPr>
-          <p:cNvSpPr>
-            <a:spLocks noGrp="1"/>
-          </p:cNvSpPr>
-          <p:nvPr>
-            <p:ph type="sldNum" sz="quarter" idx="12"/>
-          </p:nvPr>
-        </p:nvSpPr>
-        <p:spPr/>
-        <p:txBody>
-          <a:bodyPr/>
-          <a:lstStyle/>
-          <a:p>
-            <a:fld id="{1F90F471-3972-4120-B8B3-0237DE626C35}" type="slidenum">
-              <a:rPr lang="en-US" smtClean="0"/>
-              <a:pPr/>
-              <a:t>‹#›</a:t>
-            </a:fld>
-            <a:endParaRPr lang="en-US" dirty="0"/>
-          </a:p>
-        </p:txBody>
-      </p:sp>
-      <p:sp>
-        <p:nvSpPr>
-          <p:cNvPr id="6" name="Content Placeholder 7">
-            <a:extLst>
-              <a:ext uri="{FF2B5EF4-FFF2-40B4-BE49-F238E27FC236}">
-                <a16:creationId xmlns:a16="http://schemas.microsoft.com/office/drawing/2014/main" id="{8BEB1BF3-EEE7-8D9D-25CC-FC78B72221AA}"/>
-              </a:ext>
-            </a:extLst>
-          </p:cNvPr>
-          <p:cNvSpPr>
-            <a:spLocks noGrp="1"/>
-          </p:cNvSpPr>
-          <p:nvPr>
-            <p:ph sz="quarter" idx="13" hasCustomPrompt="1"/>
-          </p:nvPr>
-        </p:nvSpPr>
-        <p:spPr>
-          <a:xfrm>
-            <a:off x="381000" y="4152945"/>
-            <a:ext cx="11430000" cy="753366"/>
-          </a:xfrm>
-        </p:spPr>
-        <p:txBody>
-          <a:bodyPr/>
-          <a:lstStyle/>
-          <a:p>
-            <a:pPr lvl="0"/>
-            <a:r>
-              <a:rPr lang="en-US" dirty="0"/>
-              <a:t>Place text here</a:t>
-            </a:r>
-          </a:p>
-          <a:p>
-            <a:pPr lvl="1"/>
-            <a:r>
-              <a:rPr lang="en-US" dirty="0"/>
-              <a:t>Second level</a:t>
-            </a:r>
-          </a:p>
-        </p:txBody>
-      </p:sp>
-      <p:sp>
-        <p:nvSpPr>
-          <p:cNvPr id="12" name="Content Placeholder 7">
-            <a:extLst>
-              <a:ext uri="{FF2B5EF4-FFF2-40B4-BE49-F238E27FC236}">
-                <a16:creationId xmlns:a16="http://schemas.microsoft.com/office/drawing/2014/main" id="{DED8136E-F029-DB5C-83C1-7E5F1E6D8992}"/>
-              </a:ext>
-            </a:extLst>
-          </p:cNvPr>
-          <p:cNvSpPr>
-            <a:spLocks noGrp="1"/>
-          </p:cNvSpPr>
-          <p:nvPr>
-            <p:ph sz="quarter" idx="14" hasCustomPrompt="1"/>
-          </p:nvPr>
-        </p:nvSpPr>
-        <p:spPr>
-          <a:xfrm>
-            <a:off x="381000" y="2769438"/>
-            <a:ext cx="11430000" cy="1321981"/>
-          </a:xfrm>
-          <a:solidFill>
-            <a:schemeClr val="bg1">
-              <a:lumMod val="95000"/>
-            </a:schemeClr>
-          </a:solidFill>
-          <a:ln>
-            <a:solidFill>
-              <a:schemeClr val="tx2"/>
-            </a:solidFill>
-          </a:ln>
-        </p:spPr>
-        <p:txBody>
-          <a:bodyPr lIns="72000" tIns="36000" rIns="36000" bIns="36000"/>
-          <a:lstStyle>
-            <a:lvl1pPr marL="0" indent="0">
-              <a:spcAft>
-                <a:spcPts val="0"/>
-              </a:spcAft>
-              <a:buFontTx/>
-              <a:buNone/>
-              <a:defRPr>
-                <a:latin typeface="Courier New" panose="02070309020205020404" pitchFamily="49" charset="0"/>
-                <a:cs typeface="Courier New" panose="02070309020205020404" pitchFamily="49" charset="0"/>
-              </a:defRPr>
-            </a:lvl1pPr>
-            <a:lvl2pPr marL="228600" indent="0">
-              <a:buFontTx/>
-              <a:buNone/>
-              <a:defRPr>
-                <a:latin typeface="Courier New" panose="02070309020205020404" pitchFamily="49" charset="0"/>
-                <a:cs typeface="Courier New" panose="02070309020205020404" pitchFamily="49" charset="0"/>
-              </a:defRPr>
-            </a:lvl2pPr>
-          </a:lstStyle>
-          <a:p>
-            <a:pPr lvl="0"/>
-            <a:r>
-              <a:rPr lang="en-US" dirty="0"/>
-              <a:t>Place code here</a:t>
-            </a:r>
-          </a:p>
-        </p:txBody>
-      </p:sp>
-      <p:sp>
-        <p:nvSpPr>
-          <p:cNvPr id="13" name="Content Placeholder 7">
-            <a:extLst>
-              <a:ext uri="{FF2B5EF4-FFF2-40B4-BE49-F238E27FC236}">
-                <a16:creationId xmlns:a16="http://schemas.microsoft.com/office/drawing/2014/main" id="{8439BD9C-C264-04B6-8009-73443EFDFA52}"/>
-              </a:ext>
-            </a:extLst>
-          </p:cNvPr>
-          <p:cNvSpPr>
-            <a:spLocks noGrp="1"/>
-          </p:cNvSpPr>
-          <p:nvPr>
-            <p:ph sz="quarter" idx="15" hasCustomPrompt="1"/>
-          </p:nvPr>
-        </p:nvSpPr>
-        <p:spPr>
-          <a:xfrm>
-            <a:off x="381000" y="4962569"/>
-            <a:ext cx="11430000" cy="1321981"/>
-          </a:xfrm>
-          <a:solidFill>
-            <a:schemeClr val="bg1">
-              <a:lumMod val="95000"/>
-            </a:schemeClr>
-          </a:solidFill>
-          <a:ln>
-            <a:solidFill>
-              <a:schemeClr val="tx2"/>
-            </a:solidFill>
-          </a:ln>
-        </p:spPr>
-        <p:txBody>
-          <a:bodyPr lIns="72000" tIns="36000" rIns="36000" bIns="36000"/>
-          <a:lstStyle>
-            <a:lvl1pPr marL="0" indent="0">
-              <a:spcAft>
-                <a:spcPts val="0"/>
-              </a:spcAft>
-              <a:buFontTx/>
-              <a:buNone/>
-              <a:defRPr>
-                <a:latin typeface="Courier New" panose="02070309020205020404" pitchFamily="49" charset="0"/>
-                <a:cs typeface="Courier New" panose="02070309020205020404" pitchFamily="49" charset="0"/>
-              </a:defRPr>
-            </a:lvl1pPr>
-            <a:lvl2pPr marL="228600" indent="0">
-              <a:buFontTx/>
-              <a:buNone/>
-              <a:defRPr>
-                <a:latin typeface="Courier New" panose="02070309020205020404" pitchFamily="49" charset="0"/>
-                <a:cs typeface="Courier New" panose="02070309020205020404" pitchFamily="49" charset="0"/>
-              </a:defRPr>
-            </a:lvl2pPr>
-          </a:lstStyle>
-          <a:p>
-            <a:pPr lvl="0"/>
-            <a:r>
-              <a:rPr lang="en-US" dirty="0"/>
-              <a:t>Place code here</a:t>
-            </a:r>
-          </a:p>
-        </p:txBody>
-      </p:sp>
-    </p:spTree>
-    <p:extLst>
-      <p:ext uri="{BB962C8B-B14F-4D97-AF65-F5344CB8AC3E}">
-        <p14:creationId xmlns:p14="http://schemas.microsoft.com/office/powerpoint/2010/main" val="4156162243"/>
-      </p:ext>
-    </p:extLst>
-  </p:cSld>
-  <p:clrMapOvr>
-    <a:masterClrMapping/>
-  </p:clrMapOvr>
-  <p:extLst>
-    <p:ext uri="{DCECCB84-F9BA-43D5-87BE-67443E8EF086}">
-      <p15:sldGuideLst xmlns:p15="http://schemas.microsoft.com/office/powerpoint/2012/main">
-        <p15:guide id="1" orient="horz" pos="931">
-          <p15:clr>
-            <a:srgbClr val="547EBF"/>
-          </p15:clr>
-        </p15:guide>
-      </p15:sldGuideLst>
-    </p:ext>
-  </p:extLst>
-</p:sldLayout>
-</file>
-
 <file path=ppt/slideLayouts/slideLayout5.xml><?xml version="1.0" encoding="utf-8"?>
 <p:sldLayout xmlns:a="http://schemas.openxmlformats.org/drawingml/2006/main" xmlns:r="http://schemas.openxmlformats.org/officeDocument/2006/relationships" xmlns:p="http://schemas.openxmlformats.org/presentationml/2006/main" showMasterSp="0" preserve="1" userDrawn="1">
   <p:cSld name="Title: Black1">
@@ -43531,323 +43218,6 @@
   <p:extLst>
     <p:ext uri="{DCECCB84-F9BA-43D5-87BE-67443E8EF086}">
       <p15:sldGuideLst xmlns:p15="http://schemas.microsoft.com/office/powerpoint/2012/main"/>
-    </p:ext>
-  </p:extLst>
-</p:sldLayout>
-</file>
-
-<file path=ppt/slideLayouts/slideLayout50.xml><?xml version="1.0" encoding="utf-8"?>
-<p:sldLayout xmlns:a="http://schemas.openxmlformats.org/drawingml/2006/main" xmlns:r="http://schemas.openxmlformats.org/officeDocument/2006/relationships" xmlns:p="http://schemas.openxmlformats.org/presentationml/2006/main" userDrawn="1">
-  <p:cSld name="Long Headline-subtitle and 1 Codeblock">
-    <p:spTree>
-      <p:nvGrpSpPr>
-        <p:cNvPr id="1" name=""/>
-        <p:cNvGrpSpPr/>
-        <p:nvPr/>
-      </p:nvGrpSpPr>
-      <p:grpSpPr>
-        <a:xfrm>
-          <a:off x="0" y="0"/>
-          <a:ext cx="0" cy="0"/>
-          <a:chOff x="0" y="0"/>
-          <a:chExt cx="0" cy="0"/>
-        </a:xfrm>
-      </p:grpSpPr>
-      <p:sp>
-        <p:nvSpPr>
-          <p:cNvPr id="2" name="Title 1">
-            <a:extLst>
-              <a:ext uri="{FF2B5EF4-FFF2-40B4-BE49-F238E27FC236}">
-                <a16:creationId xmlns:a16="http://schemas.microsoft.com/office/drawing/2014/main" id="{309EC595-3BDB-489C-AB5C-4C48BF9B07CB}"/>
-              </a:ext>
-            </a:extLst>
-          </p:cNvPr>
-          <p:cNvSpPr>
-            <a:spLocks noGrp="1"/>
-          </p:cNvSpPr>
-          <p:nvPr>
-            <p:ph type="title" hasCustomPrompt="1"/>
-          </p:nvPr>
-        </p:nvSpPr>
-        <p:spPr>
-          <a:xfrm>
-            <a:off x="381000" y="381000"/>
-            <a:ext cx="11430000" cy="800100"/>
-          </a:xfrm>
-        </p:spPr>
-        <p:txBody>
-          <a:bodyPr/>
-          <a:lstStyle>
-            <a:lvl1pPr>
-              <a:defRPr sz="3600"/>
-            </a:lvl1pPr>
-          </a:lstStyle>
-          <a:p>
-            <a:r>
-              <a:rPr lang="en-GB" dirty="0"/>
-              <a:t>Place headline here (36pt, min 30pt)</a:t>
-            </a:r>
-            <a:endParaRPr lang="en-US" dirty="0"/>
-          </a:p>
-        </p:txBody>
-      </p:sp>
-      <p:sp>
-        <p:nvSpPr>
-          <p:cNvPr id="8" name="Content Placeholder 7">
-            <a:extLst>
-              <a:ext uri="{FF2B5EF4-FFF2-40B4-BE49-F238E27FC236}">
-                <a16:creationId xmlns:a16="http://schemas.microsoft.com/office/drawing/2014/main" id="{2A49B96C-8E74-4C8B-BDE4-9B82801CA0EE}"/>
-              </a:ext>
-            </a:extLst>
-          </p:cNvPr>
-          <p:cNvSpPr>
-            <a:spLocks noGrp="1"/>
-          </p:cNvSpPr>
-          <p:nvPr>
-            <p:ph sz="quarter" idx="10" hasCustomPrompt="1"/>
-          </p:nvPr>
-        </p:nvSpPr>
-        <p:spPr>
-          <a:xfrm>
-            <a:off x="380999" y="1955037"/>
-            <a:ext cx="11430000" cy="2947926"/>
-          </a:xfrm>
-        </p:spPr>
-        <p:txBody>
-          <a:bodyPr/>
-          <a:lstStyle/>
-          <a:p>
-            <a:pPr lvl="0"/>
-            <a:r>
-              <a:rPr lang="en-US" dirty="0"/>
-              <a:t>Place text here</a:t>
-            </a:r>
-          </a:p>
-          <a:p>
-            <a:pPr lvl="1"/>
-            <a:r>
-              <a:rPr lang="en-US" dirty="0"/>
-              <a:t>Second level</a:t>
-            </a:r>
-          </a:p>
-        </p:txBody>
-      </p:sp>
-      <p:sp>
-        <p:nvSpPr>
-          <p:cNvPr id="4" name="Text Placeholder 3">
-            <a:extLst>
-              <a:ext uri="{FF2B5EF4-FFF2-40B4-BE49-F238E27FC236}">
-                <a16:creationId xmlns:a16="http://schemas.microsoft.com/office/drawing/2014/main" id="{BB385C65-6BFC-4F61-A214-71B69537BB4B}"/>
-              </a:ext>
-            </a:extLst>
-          </p:cNvPr>
-          <p:cNvSpPr>
-            <a:spLocks noGrp="1"/>
-          </p:cNvSpPr>
-          <p:nvPr>
-            <p:ph type="body" sz="quarter" idx="11" hasCustomPrompt="1"/>
-          </p:nvPr>
-        </p:nvSpPr>
-        <p:spPr>
-          <a:xfrm>
-            <a:off x="381000" y="1234440"/>
-            <a:ext cx="11430000" cy="384048"/>
-          </a:xfrm>
-        </p:spPr>
-        <p:txBody>
-          <a:bodyPr anchor="t"/>
-          <a:lstStyle>
-            <a:lvl1pPr marL="0" indent="0">
-              <a:spcAft>
-                <a:spcPts val="0"/>
-              </a:spcAft>
-              <a:buNone/>
-              <a:defRPr>
-                <a:solidFill>
-                  <a:schemeClr val="accent1"/>
-                </a:solidFill>
-                <a:latin typeface="GT Sectra Fine Rg" panose="00000500000000000000" pitchFamily="50" charset="0"/>
-              </a:defRPr>
-            </a:lvl1pPr>
-          </a:lstStyle>
-          <a:p>
-            <a:pPr lvl="0"/>
-            <a:r>
-              <a:rPr lang="en-US" dirty="0"/>
-              <a:t>Place subtitle here 20pt</a:t>
-            </a:r>
-          </a:p>
-        </p:txBody>
-      </p:sp>
-      <p:sp>
-        <p:nvSpPr>
-          <p:cNvPr id="9" name="Footer Placeholder 3">
-            <a:extLst>
-              <a:ext uri="{FF2B5EF4-FFF2-40B4-BE49-F238E27FC236}">
-                <a16:creationId xmlns:a16="http://schemas.microsoft.com/office/drawing/2014/main" id="{06E1154F-E5DD-468F-85D1-17FC4F4386D8}"/>
-              </a:ext>
-            </a:extLst>
-          </p:cNvPr>
-          <p:cNvSpPr>
-            <a:spLocks noGrp="1"/>
-          </p:cNvSpPr>
-          <p:nvPr>
-            <p:ph type="ftr" sz="quarter" idx="3"/>
-          </p:nvPr>
-        </p:nvSpPr>
-        <p:spPr>
-          <a:xfrm>
-            <a:off x="7315200" y="6488234"/>
-            <a:ext cx="4114800" cy="198318"/>
-          </a:xfrm>
-          <a:prstGeom prst="rect">
-            <a:avLst/>
-          </a:prstGeom>
-          <a:noFill/>
-        </p:spPr>
-        <p:txBody>
-          <a:bodyPr wrap="square" lIns="0" tIns="0" rIns="0" bIns="0" rtlCol="0" anchor="ctr">
-            <a:noAutofit/>
-          </a:bodyPr>
-          <a:lstStyle>
-            <a:lvl1pPr algn="r">
-              <a:defRPr lang="en-US" sz="800" kern="1200" dirty="0">
-                <a:solidFill>
-                  <a:schemeClr val="tx1">
-                    <a:alpha val="75000"/>
-                  </a:schemeClr>
-                </a:solidFill>
-                <a:latin typeface="+mn-lt"/>
-                <a:ea typeface="+mn-ea"/>
-                <a:cs typeface="+mn-cs"/>
-              </a:defRPr>
-            </a:lvl1pPr>
-          </a:lstStyle>
-          <a:p>
-            <a:pPr algn="r" defTabSz="228600">
-              <a:spcAft>
-                <a:spcPts val="1200"/>
-              </a:spcAft>
-              <a:defRPr/>
-            </a:pPr>
-            <a:r>
-              <a:rPr lang="en-GB"/>
-              <a:t>Copyright © 2024 Accenture. All rights reserved.</a:t>
-            </a:r>
-            <a:endParaRPr lang="en-GB" dirty="0"/>
-          </a:p>
-        </p:txBody>
-      </p:sp>
-      <p:sp>
-        <p:nvSpPr>
-          <p:cNvPr id="3" name="Slide Number Placeholder 2">
-            <a:extLst>
-              <a:ext uri="{FF2B5EF4-FFF2-40B4-BE49-F238E27FC236}">
-                <a16:creationId xmlns:a16="http://schemas.microsoft.com/office/drawing/2014/main" id="{B5699EEA-1839-42AE-A096-1905CABA2755}"/>
-              </a:ext>
-            </a:extLst>
-          </p:cNvPr>
-          <p:cNvSpPr>
-            <a:spLocks noGrp="1"/>
-          </p:cNvSpPr>
-          <p:nvPr>
-            <p:ph type="sldNum" sz="quarter" idx="12"/>
-          </p:nvPr>
-        </p:nvSpPr>
-        <p:spPr/>
-        <p:txBody>
-          <a:bodyPr/>
-          <a:lstStyle/>
-          <a:p>
-            <a:fld id="{1F90F471-3972-4120-B8B3-0237DE626C35}" type="slidenum">
-              <a:rPr lang="en-US" smtClean="0"/>
-              <a:pPr/>
-              <a:t>‹#›</a:t>
-            </a:fld>
-            <a:endParaRPr lang="en-US" dirty="0"/>
-          </a:p>
-        </p:txBody>
-      </p:sp>
-      <p:sp>
-        <p:nvSpPr>
-          <p:cNvPr id="11" name="Content Placeholder 7">
-            <a:extLst>
-              <a:ext uri="{FF2B5EF4-FFF2-40B4-BE49-F238E27FC236}">
-                <a16:creationId xmlns:a16="http://schemas.microsoft.com/office/drawing/2014/main" id="{8E9C4C32-3E52-6232-24FD-F6D8737A9207}"/>
-              </a:ext>
-            </a:extLst>
-          </p:cNvPr>
-          <p:cNvSpPr>
-            <a:spLocks noGrp="1"/>
-          </p:cNvSpPr>
-          <p:nvPr>
-            <p:ph sz="quarter" idx="15" hasCustomPrompt="1"/>
-          </p:nvPr>
-        </p:nvSpPr>
-        <p:spPr>
-          <a:xfrm>
-            <a:off x="381000" y="4962569"/>
-            <a:ext cx="11430000" cy="1321981"/>
-          </a:xfrm>
-          <a:solidFill>
-            <a:schemeClr val="bg1">
-              <a:lumMod val="95000"/>
-            </a:schemeClr>
-          </a:solidFill>
-          <a:ln>
-            <a:solidFill>
-              <a:schemeClr val="tx2"/>
-            </a:solidFill>
-          </a:ln>
-        </p:spPr>
-        <p:txBody>
-          <a:bodyPr lIns="72000" tIns="36000" rIns="36000" bIns="36000"/>
-          <a:lstStyle>
-            <a:lvl1pPr marL="0" indent="0">
-              <a:buFontTx/>
-              <a:buNone/>
-              <a:defRPr>
-                <a:latin typeface="Courier New" panose="02070309020205020404" pitchFamily="49" charset="0"/>
-                <a:cs typeface="Courier New" panose="02070309020205020404" pitchFamily="49" charset="0"/>
-              </a:defRPr>
-            </a:lvl1pPr>
-            <a:lvl2pPr marL="228600" indent="0">
-              <a:buFontTx/>
-              <a:buNone/>
-              <a:defRPr>
-                <a:latin typeface="Courier New" panose="02070309020205020404" pitchFamily="49" charset="0"/>
-                <a:cs typeface="Courier New" panose="02070309020205020404" pitchFamily="49" charset="0"/>
-              </a:defRPr>
-            </a:lvl2pPr>
-          </a:lstStyle>
-          <a:p>
-            <a:pPr lvl="0"/>
-            <a:r>
-              <a:rPr lang="en-US" dirty="0"/>
-              <a:t>Place code here</a:t>
-            </a:r>
-          </a:p>
-        </p:txBody>
-      </p:sp>
-    </p:spTree>
-    <p:extLst>
-      <p:ext uri="{BB962C8B-B14F-4D97-AF65-F5344CB8AC3E}">
-        <p14:creationId xmlns:p14="http://schemas.microsoft.com/office/powerpoint/2010/main" val="727875400"/>
-      </p:ext>
-    </p:extLst>
-  </p:cSld>
-  <p:clrMapOvr>
-    <a:masterClrMapping/>
-  </p:clrMapOvr>
-  <p:extLst>
-    <p:ext uri="{DCECCB84-F9BA-43D5-87BE-67443E8EF086}">
-      <p15:sldGuideLst xmlns:p15="http://schemas.microsoft.com/office/powerpoint/2012/main">
-        <p15:guide id="1" orient="horz" pos="931">
-          <p15:clr>
-            <a:srgbClr val="547EBF"/>
-          </p15:clr>
-        </p15:guide>
-      </p15:sldGuideLst>
     </p:ext>
   </p:extLst>
 </p:sldLayout>
@@ -48179,8 +47549,6 @@
     <p:sldLayoutId id="2147483655" r:id="rId46"/>
     <p:sldLayoutId id="2147483745" r:id="rId47"/>
     <p:sldLayoutId id="2147483741" r:id="rId48"/>
-    <p:sldLayoutId id="2147483761" r:id="rId49"/>
-    <p:sldLayoutId id="2147483762" r:id="rId50"/>
   </p:sldLayoutIdLst>
   <p:hf hdr="0" dt="0"/>
   <p:txStyles>
@@ -48679,7 +48047,11 @@
           <a:bodyPr/>
           <a:lstStyle/>
           <a:p>
-            <a:endParaRPr lang="en-CH"/>
+            <a:r>
+              <a:rPr lang="en-GB" dirty="0"/>
+              <a:t>Basics of OCI Security</a:t>
+            </a:r>
+            <a:endParaRPr lang="en-CH" dirty="0"/>
           </a:p>
         </p:txBody>
       </p:sp>
@@ -48704,7 +48076,87 @@
           <a:bodyPr/>
           <a:lstStyle/>
           <a:p>
-            <a:endParaRPr lang="en-CH"/>
+            <a:pPr marL="0" indent="0">
+              <a:buNone/>
+            </a:pPr>
+            <a:r>
+              <a:rPr lang="en-GB" b="1" dirty="0"/>
+              <a:t>Key Management</a:t>
+            </a:r>
+          </a:p>
+          <a:p>
+            <a:pPr>
+              <a:buFont typeface="Wingdings" pitchFamily="2" charset="2"/>
+              <a:buChar char="§"/>
+            </a:pPr>
+            <a:r>
+              <a:rPr lang="en-GB" dirty="0"/>
+              <a:t>Centralized control over encryption keys to protect data at rest and in transit.</a:t>
+            </a:r>
+          </a:p>
+          <a:p>
+            <a:pPr marL="0" indent="0">
+              <a:buNone/>
+            </a:pPr>
+            <a:r>
+              <a:rPr lang="en-GB" b="1" dirty="0"/>
+              <a:t>OS Management</a:t>
+            </a:r>
+          </a:p>
+          <a:p>
+            <a:pPr>
+              <a:buFont typeface="Wingdings" pitchFamily="2" charset="2"/>
+              <a:buChar char="§"/>
+            </a:pPr>
+            <a:r>
+              <a:rPr lang="en-GB" dirty="0"/>
+              <a:t>Simplifies OS updates and patching for enhanced security.</a:t>
+            </a:r>
+          </a:p>
+          <a:p>
+            <a:pPr marL="0" indent="0">
+              <a:buNone/>
+            </a:pPr>
+            <a:r>
+              <a:rPr lang="en-GB" b="1" dirty="0"/>
+              <a:t>Vulnerability Scanning</a:t>
+            </a:r>
+          </a:p>
+          <a:p>
+            <a:pPr>
+              <a:buFont typeface="Wingdings" pitchFamily="2" charset="2"/>
+              <a:buChar char="§"/>
+            </a:pPr>
+            <a:r>
+              <a:rPr lang="en-GB" dirty="0"/>
+              <a:t>Automated detection of system vulnerabilities to proactively manage risks.</a:t>
+            </a:r>
+          </a:p>
+          <a:p>
+            <a:pPr marL="0" indent="0">
+              <a:buNone/>
+            </a:pPr>
+            <a:r>
+              <a:rPr lang="en-GB" b="1" dirty="0"/>
+              <a:t>Shielded Instances</a:t>
+            </a:r>
+          </a:p>
+          <a:p>
+            <a:pPr>
+              <a:buFont typeface="Wingdings" pitchFamily="2" charset="2"/>
+              <a:buChar char="§"/>
+            </a:pPr>
+            <a:r>
+              <a:rPr lang="en-GB" dirty="0"/>
+              <a:t>Ensures uncompromised boot security with Secure Boot, Measured Boot, and Trusted Platform Module (TPM).</a:t>
+            </a:r>
+          </a:p>
+          <a:p>
+            <a:pPr>
+              <a:buFont typeface="Wingdings" pitchFamily="2" charset="2"/>
+              <a:buChar char="§"/>
+            </a:pPr>
+            <a:endParaRPr lang="en-CH" dirty="0"/>
           </a:p>
         </p:txBody>
       </p:sp>
@@ -48793,7 +48245,11 @@
           <a:bodyPr/>
           <a:lstStyle/>
           <a:p>
-            <a:endParaRPr lang="en-CH"/>
+            <a:r>
+              <a:rPr lang="en-GB" dirty="0"/>
+              <a:t>Foundational Security Features</a:t>
+            </a:r>
+            <a:endParaRPr lang="en-CH" dirty="0"/>
           </a:p>
         </p:txBody>
       </p:sp>
@@ -48878,39 +48334,14 @@
           <a:bodyPr/>
           <a:lstStyle/>
           <a:p>
-            <a:endParaRPr lang="en-CH"/>
+            <a:r>
+              <a:rPr lang="en-GB" dirty="0"/>
+              <a:t>Cloud Guard Overview</a:t>
+            </a:r>
+            <a:endParaRPr lang="en-CH" dirty="0"/>
           </a:p>
         </p:txBody>
       </p:sp>
-      <p:pic>
-        <p:nvPicPr>
-          <p:cNvPr id="13" name="Content Placeholder 12" descr="A comic strip of a person talking to a person&#10;&#10;Description automatically generated">
-            <a:extLst>
-              <a:ext uri="{FF2B5EF4-FFF2-40B4-BE49-F238E27FC236}">
-                <a16:creationId xmlns:a16="http://schemas.microsoft.com/office/drawing/2014/main" id="{17D2B2F1-2EAD-C4FC-A557-62DEA2699A63}"/>
-              </a:ext>
-            </a:extLst>
-          </p:cNvPr>
-          <p:cNvPicPr>
-            <a:picLocks noGrp="1" noChangeAspect="1"/>
-          </p:cNvPicPr>
-          <p:nvPr>
-            <p:ph sz="half" idx="18"/>
-          </p:nvPr>
-        </p:nvPicPr>
-        <p:blipFill>
-          <a:blip r:embed="rId2"/>
-          <a:stretch>
-            <a:fillRect/>
-          </a:stretch>
-        </p:blipFill>
-        <p:spPr>
-          <a:xfrm>
-            <a:off x="6539088" y="1729820"/>
-            <a:ext cx="5019323" cy="4796948"/>
-          </a:xfrm>
-        </p:spPr>
-      </p:pic>
       <p:sp>
         <p:nvSpPr>
           <p:cNvPr id="5" name="Footer Placeholder 4">
@@ -48967,7 +48398,11 @@
           <a:bodyPr/>
           <a:lstStyle/>
           <a:p>
-            <a:endParaRPr lang="en-CH"/>
+            <a:r>
+              <a:rPr lang="en-GB" dirty="0"/>
+              <a:t>Proactive Threat Monitoring</a:t>
+            </a:r>
+            <a:endParaRPr lang="en-CH" dirty="0"/>
           </a:p>
         </p:txBody>
       </p:sp>
@@ -49022,10 +48457,101 @@
           <a:bodyPr/>
           <a:lstStyle/>
           <a:p>
-            <a:endParaRPr lang="en-CH"/>
+            <a:pPr marL="0" indent="0">
+              <a:buNone/>
+            </a:pPr>
+            <a:r>
+              <a:rPr lang="en-GB" b="1" dirty="0"/>
+              <a:t>Key Features</a:t>
+            </a:r>
+          </a:p>
+          <a:p>
+            <a:pPr>
+              <a:buFont typeface="Wingdings" pitchFamily="2" charset="2"/>
+              <a:buChar char="§"/>
+            </a:pPr>
+            <a:r>
+              <a:rPr lang="en-GB" dirty="0"/>
+              <a:t>Detect misconfigurations, vulnerabilities, and anomalous activities.</a:t>
+            </a:r>
+          </a:p>
+          <a:p>
+            <a:pPr>
+              <a:buFont typeface="Wingdings" pitchFamily="2" charset="2"/>
+              <a:buChar char="§"/>
+            </a:pPr>
+            <a:r>
+              <a:rPr lang="en-GB" dirty="0"/>
+              <a:t>Responder recipes for automated remediation of identified risks.</a:t>
+            </a:r>
+          </a:p>
+          <a:p>
+            <a:pPr>
+              <a:buFont typeface="Wingdings" pitchFamily="2" charset="2"/>
+              <a:buChar char="§"/>
+            </a:pPr>
+            <a:r>
+              <a:rPr lang="en-GB" dirty="0"/>
+              <a:t>Centralized monitoring and scoring for better risk management.</a:t>
+            </a:r>
+          </a:p>
+          <a:p>
+            <a:pPr marL="0" indent="0">
+              <a:buNone/>
+            </a:pPr>
+            <a:r>
+              <a:rPr lang="en-GB" b="1" dirty="0"/>
+              <a:t>Use Case</a:t>
+            </a:r>
+          </a:p>
+          <a:p>
+            <a:pPr>
+              <a:buFont typeface="Wingdings" pitchFamily="2" charset="2"/>
+              <a:buChar char="§"/>
+            </a:pPr>
+            <a:r>
+              <a:rPr lang="en-GB" dirty="0"/>
+              <a:t>Monitor resources like Object Storage, Compute Instances, and Networking.</a:t>
+            </a:r>
+          </a:p>
+          <a:p>
+            <a:pPr>
+              <a:buFont typeface="Wingdings" pitchFamily="2" charset="2"/>
+              <a:buChar char="§"/>
+            </a:pPr>
+            <a:endParaRPr lang="en-CH" dirty="0"/>
           </a:p>
         </p:txBody>
       </p:sp>
+      <p:pic>
+        <p:nvPicPr>
+          <p:cNvPr id="12" name="Content Placeholder 17" descr="A comic strip of a person talking to a person&#10;&#10;Description automatically generated">
+            <a:extLst>
+              <a:ext uri="{FF2B5EF4-FFF2-40B4-BE49-F238E27FC236}">
+                <a16:creationId xmlns:a16="http://schemas.microsoft.com/office/drawing/2014/main" id="{0E14FFF5-EC0A-9DCF-47FD-8DEA1FD1BF25}"/>
+              </a:ext>
+            </a:extLst>
+          </p:cNvPr>
+          <p:cNvPicPr>
+            <a:picLocks noGrp="1" noChangeAspect="1"/>
+          </p:cNvPicPr>
+          <p:nvPr>
+            <p:ph sz="half" idx="18"/>
+          </p:nvPr>
+        </p:nvPicPr>
+        <p:blipFill>
+          <a:blip r:embed="rId2"/>
+          <a:stretch>
+            <a:fillRect/>
+          </a:stretch>
+        </p:blipFill>
+        <p:spPr>
+          <a:xfrm>
+            <a:off x="6711729" y="90783"/>
+            <a:ext cx="4626412" cy="6384738"/>
+          </a:xfrm>
+        </p:spPr>
+      </p:pic>
     </p:spTree>
     <p:extLst>
       <p:ext uri="{BB962C8B-B14F-4D97-AF65-F5344CB8AC3E}">
@@ -49077,61 +48603,11 @@
           <a:bodyPr/>
           <a:lstStyle/>
           <a:p>
-            <a:endParaRPr lang="en-CH"/>
-          </a:p>
-        </p:txBody>
-      </p:sp>
-      <p:pic>
-        <p:nvPicPr>
-          <p:cNvPr id="18" name="Content Placeholder 17" descr="A comic strip of a person talking to a person&#10;&#10;Description automatically generated">
-            <a:extLst>
-              <a:ext uri="{FF2B5EF4-FFF2-40B4-BE49-F238E27FC236}">
-                <a16:creationId xmlns:a16="http://schemas.microsoft.com/office/drawing/2014/main" id="{165CEA71-DFDD-8DB0-980C-8F49A622B744}"/>
-              </a:ext>
-            </a:extLst>
-          </p:cNvPr>
-          <p:cNvPicPr>
-            <a:picLocks noGrp="1" noChangeAspect="1"/>
-          </p:cNvPicPr>
-          <p:nvPr>
-            <p:ph sz="half" idx="2"/>
-          </p:nvPr>
-        </p:nvPicPr>
-        <p:blipFill>
-          <a:blip r:embed="rId3"/>
-          <a:stretch>
-            <a:fillRect/>
-          </a:stretch>
-        </p:blipFill>
-        <p:spPr>
-          <a:xfrm>
-            <a:off x="1407263" y="1729820"/>
-            <a:ext cx="3471973" cy="4796948"/>
-          </a:xfrm>
-        </p:spPr>
-      </p:pic>
-      <p:sp>
-        <p:nvSpPr>
-          <p:cNvPr id="16" name="Content Placeholder 15">
-            <a:extLst>
-              <a:ext uri="{FF2B5EF4-FFF2-40B4-BE49-F238E27FC236}">
-                <a16:creationId xmlns:a16="http://schemas.microsoft.com/office/drawing/2014/main" id="{B9EDF769-BD2F-5D0D-6C17-3D3F7D2A6A63}"/>
-              </a:ext>
-            </a:extLst>
-          </p:cNvPr>
-          <p:cNvSpPr>
-            <a:spLocks noGrp="1"/>
-          </p:cNvSpPr>
-          <p:nvPr>
-            <p:ph sz="half" idx="18"/>
-          </p:nvPr>
-        </p:nvSpPr>
-        <p:spPr/>
-        <p:txBody>
-          <a:bodyPr/>
-          <a:lstStyle/>
-          <a:p>
-            <a:endParaRPr lang="en-CH"/>
+            <a:r>
+              <a:rPr lang="en-GB" dirty="0"/>
+              <a:t>Enhancing Database Security with Data Safe</a:t>
+            </a:r>
+            <a:endParaRPr lang="en-CH" dirty="0"/>
           </a:p>
         </p:txBody>
       </p:sp>
@@ -49191,7 +48667,10 @@
           <a:bodyPr/>
           <a:lstStyle/>
           <a:p>
-            <a:endParaRPr lang="en-CH"/>
+            <a:r>
+              <a:rPr lang="en-GB" dirty="0"/>
+              <a:t>Centralized Database Security Management</a:t>
+            </a:r>
           </a:p>
         </p:txBody>
       </p:sp>
@@ -49225,6 +48704,152 @@
           </a:p>
         </p:txBody>
       </p:sp>
+      <p:pic>
+        <p:nvPicPr>
+          <p:cNvPr id="2" name="Content Placeholder 12" descr="A comic strip of a person talking to a person&#10;&#10;Description automatically generated">
+            <a:extLst>
+              <a:ext uri="{FF2B5EF4-FFF2-40B4-BE49-F238E27FC236}">
+                <a16:creationId xmlns:a16="http://schemas.microsoft.com/office/drawing/2014/main" id="{DE0B502F-616E-58CF-0109-5CBEA813B0A9}"/>
+              </a:ext>
+            </a:extLst>
+          </p:cNvPr>
+          <p:cNvPicPr>
+            <a:picLocks noGrp="1" noChangeAspect="1"/>
+          </p:cNvPicPr>
+          <p:nvPr>
+            <p:ph sz="half" idx="18"/>
+          </p:nvPr>
+        </p:nvPicPr>
+        <p:blipFill>
+          <a:blip r:embed="rId3"/>
+          <a:stretch>
+            <a:fillRect/>
+          </a:stretch>
+        </p:blipFill>
+        <p:spPr>
+          <a:xfrm>
+            <a:off x="6469430" y="1179829"/>
+            <a:ext cx="5341569" cy="5104917"/>
+          </a:xfrm>
+        </p:spPr>
+      </p:pic>
+      <p:sp>
+        <p:nvSpPr>
+          <p:cNvPr id="4" name="Content Placeholder 3">
+            <a:extLst>
+              <a:ext uri="{FF2B5EF4-FFF2-40B4-BE49-F238E27FC236}">
+                <a16:creationId xmlns:a16="http://schemas.microsoft.com/office/drawing/2014/main" id="{EBEA133D-A6F2-A2F8-4C73-9C6FF679DB54}"/>
+              </a:ext>
+            </a:extLst>
+          </p:cNvPr>
+          <p:cNvSpPr>
+            <a:spLocks noGrp="1"/>
+          </p:cNvSpPr>
+          <p:nvPr>
+            <p:ph sz="half" idx="2"/>
+          </p:nvPr>
+        </p:nvSpPr>
+        <p:spPr/>
+        <p:txBody>
+          <a:bodyPr/>
+          <a:lstStyle/>
+          <a:p>
+            <a:pPr marL="0" indent="0">
+              <a:buNone/>
+            </a:pPr>
+            <a:r>
+              <a:rPr lang="en-GB" b="1" dirty="0"/>
+              <a:t>Core Capabilities</a:t>
+            </a:r>
+          </a:p>
+          <a:p>
+            <a:pPr>
+              <a:buFont typeface="Wingdings" pitchFamily="2" charset="2"/>
+              <a:buChar char="§"/>
+            </a:pPr>
+            <a:r>
+              <a:rPr lang="en-GB" b="1" dirty="0"/>
+              <a:t>Security Assessment: </a:t>
+            </a:r>
+            <a:r>
+              <a:rPr lang="en-GB" dirty="0" err="1"/>
+              <a:t>Analyze</a:t>
+            </a:r>
+            <a:r>
+              <a:rPr lang="en-GB" dirty="0"/>
+              <a:t> configurations for compliance.</a:t>
+            </a:r>
+          </a:p>
+          <a:p>
+            <a:pPr>
+              <a:buFont typeface="Wingdings" pitchFamily="2" charset="2"/>
+              <a:buChar char="§"/>
+            </a:pPr>
+            <a:r>
+              <a:rPr lang="en-GB" b="1" dirty="0"/>
+              <a:t>User Assessment: </a:t>
+            </a:r>
+            <a:r>
+              <a:rPr lang="en-GB" dirty="0"/>
+              <a:t>Monitor high-risk users and their actions.</a:t>
+            </a:r>
+          </a:p>
+          <a:p>
+            <a:pPr>
+              <a:buFont typeface="Wingdings" pitchFamily="2" charset="2"/>
+              <a:buChar char="§"/>
+            </a:pPr>
+            <a:r>
+              <a:rPr lang="en-GB" b="1" dirty="0"/>
+              <a:t>Audit Activity: </a:t>
+            </a:r>
+            <a:r>
+              <a:rPr lang="en-GB" dirty="0"/>
+              <a:t>Comprehensive logs for user actions and compliance.</a:t>
+            </a:r>
+          </a:p>
+          <a:p>
+            <a:pPr>
+              <a:buFont typeface="Wingdings" pitchFamily="2" charset="2"/>
+              <a:buChar char="§"/>
+            </a:pPr>
+            <a:r>
+              <a:rPr lang="en-GB" b="1" dirty="0"/>
+              <a:t>Sensitive Data Discovery: </a:t>
+            </a:r>
+            <a:r>
+              <a:rPr lang="en-GB" dirty="0"/>
+              <a:t>Locate and classify sensitive data for protection.</a:t>
+            </a:r>
+          </a:p>
+          <a:p>
+            <a:pPr marL="0" indent="0">
+              <a:buNone/>
+            </a:pPr>
+            <a:r>
+              <a:rPr lang="en-GB" b="1" dirty="0"/>
+              <a:t>Advanced Feature</a:t>
+            </a:r>
+          </a:p>
+          <a:p>
+            <a:pPr>
+              <a:buFont typeface="Wingdings" pitchFamily="2" charset="2"/>
+              <a:buChar char="§"/>
+            </a:pPr>
+            <a:r>
+              <a:rPr lang="en-GB" dirty="0"/>
+              <a:t>SQL Firewall for real-time SQL execution monitoring and restriction.</a:t>
+            </a:r>
+          </a:p>
+          <a:p>
+            <a:pPr>
+              <a:buFont typeface="Wingdings" pitchFamily="2" charset="2"/>
+              <a:buChar char="§"/>
+            </a:pPr>
+            <a:endParaRPr lang="en-CH" dirty="0"/>
+          </a:p>
+        </p:txBody>
+      </p:sp>
     </p:spTree>
     <p:extLst>
       <p:ext uri="{BB962C8B-B14F-4D97-AF65-F5344CB8AC3E}">
@@ -49239,6 +48864,278 @@
 </file>
 
 <file path=ppt/slides/slide5.xml><?xml version="1.0" encoding="utf-8"?>
+<p:sld xmlns:a="http://schemas.openxmlformats.org/drawingml/2006/main" xmlns:r="http://schemas.openxmlformats.org/officeDocument/2006/relationships" xmlns:p="http://schemas.openxmlformats.org/presentationml/2006/main">
+  <p:cSld>
+    <p:spTree>
+      <p:nvGrpSpPr>
+        <p:cNvPr id="1" name="">
+          <a:extLst>
+            <a:ext uri="{FF2B5EF4-FFF2-40B4-BE49-F238E27FC236}">
+              <a16:creationId xmlns:a16="http://schemas.microsoft.com/office/drawing/2014/main" id="{B131D666-0DC4-9345-5A0C-6703CA56FE95}"/>
+            </a:ext>
+          </a:extLst>
+        </p:cNvPr>
+        <p:cNvGrpSpPr/>
+        <p:nvPr/>
+      </p:nvGrpSpPr>
+      <p:grpSpPr>
+        <a:xfrm>
+          <a:off x="0" y="0"/>
+          <a:ext cx="0" cy="0"/>
+          <a:chOff x="0" y="0"/>
+          <a:chExt cx="0" cy="0"/>
+        </a:xfrm>
+      </p:grpSpPr>
+      <p:sp>
+        <p:nvSpPr>
+          <p:cNvPr id="13" name="Title 12">
+            <a:extLst>
+              <a:ext uri="{FF2B5EF4-FFF2-40B4-BE49-F238E27FC236}">
+                <a16:creationId xmlns:a16="http://schemas.microsoft.com/office/drawing/2014/main" id="{ACE01A92-3DB3-C919-2580-22FD358EEEA9}"/>
+              </a:ext>
+            </a:extLst>
+          </p:cNvPr>
+          <p:cNvSpPr>
+            <a:spLocks noGrp="1"/>
+          </p:cNvSpPr>
+          <p:nvPr>
+            <p:ph type="title"/>
+          </p:nvPr>
+        </p:nvSpPr>
+        <p:spPr/>
+        <p:txBody>
+          <a:bodyPr/>
+          <a:lstStyle/>
+          <a:p>
+            <a:r>
+              <a:rPr lang="en-GB" dirty="0"/>
+              <a:t>Security Zones and Wrap-Up</a:t>
+            </a:r>
+            <a:endParaRPr lang="en-CH" dirty="0"/>
+          </a:p>
+        </p:txBody>
+      </p:sp>
+      <p:sp>
+        <p:nvSpPr>
+          <p:cNvPr id="4" name="Content Placeholder 3">
+            <a:extLst>
+              <a:ext uri="{FF2B5EF4-FFF2-40B4-BE49-F238E27FC236}">
+                <a16:creationId xmlns:a16="http://schemas.microsoft.com/office/drawing/2014/main" id="{CB4D086F-3897-D2AE-6C6E-80AB0EACC4E9}"/>
+              </a:ext>
+            </a:extLst>
+          </p:cNvPr>
+          <p:cNvSpPr>
+            <a:spLocks noGrp="1"/>
+          </p:cNvSpPr>
+          <p:nvPr>
+            <p:ph sz="quarter" idx="10"/>
+          </p:nvPr>
+        </p:nvSpPr>
+        <p:spPr/>
+        <p:txBody>
+          <a:bodyPr/>
+          <a:lstStyle/>
+          <a:p>
+            <a:pPr marL="0" indent="0">
+              <a:buNone/>
+            </a:pPr>
+            <a:r>
+              <a:rPr lang="en-GB" b="1" dirty="0"/>
+              <a:t>Security Zones:</a:t>
+            </a:r>
+          </a:p>
+          <a:p>
+            <a:pPr>
+              <a:buFont typeface="Wingdings" pitchFamily="2" charset="2"/>
+              <a:buChar char="§"/>
+            </a:pPr>
+            <a:r>
+              <a:rPr lang="en-GB" dirty="0"/>
+              <a:t>Enforce strict compliance for OCI resources.</a:t>
+            </a:r>
+          </a:p>
+          <a:p>
+            <a:pPr>
+              <a:buFont typeface="Wingdings" pitchFamily="2" charset="2"/>
+              <a:buChar char="§"/>
+            </a:pPr>
+            <a:r>
+              <a:rPr lang="en-GB" dirty="0"/>
+              <a:t>Block public access, mandate encryption, and ensure regular backups.</a:t>
+            </a:r>
+          </a:p>
+          <a:p>
+            <a:pPr>
+              <a:buFont typeface="Wingdings" pitchFamily="2" charset="2"/>
+              <a:buChar char="§"/>
+            </a:pPr>
+            <a:r>
+              <a:rPr lang="en-GB" dirty="0"/>
+              <a:t>Seamlessly integrate with Cloud Guard for enhanced monitoring.</a:t>
+            </a:r>
+          </a:p>
+          <a:p>
+            <a:pPr marL="0" indent="0">
+              <a:buNone/>
+            </a:pPr>
+            <a:r>
+              <a:rPr lang="en-GB" b="1" dirty="0"/>
+              <a:t>Overall Takeaways:</a:t>
+            </a:r>
+          </a:p>
+          <a:p>
+            <a:pPr>
+              <a:buFont typeface="Wingdings" pitchFamily="2" charset="2"/>
+              <a:buChar char="§"/>
+            </a:pPr>
+            <a:r>
+              <a:rPr lang="en-GB" dirty="0"/>
+              <a:t>Built-in OCI features simplify complex security challenges.</a:t>
+            </a:r>
+          </a:p>
+          <a:p>
+            <a:pPr>
+              <a:buFont typeface="Wingdings" pitchFamily="2" charset="2"/>
+              <a:buChar char="§"/>
+            </a:pPr>
+            <a:r>
+              <a:rPr lang="en-GB" dirty="0"/>
+              <a:t>Proactive tools like Cloud Guard and Data Safe mitigate risks effectively.</a:t>
+            </a:r>
+          </a:p>
+          <a:p>
+            <a:pPr>
+              <a:buFont typeface="Wingdings" pitchFamily="2" charset="2"/>
+              <a:buChar char="§"/>
+            </a:pPr>
+            <a:r>
+              <a:rPr lang="en-GB" dirty="0"/>
+              <a:t>Security Zones ensure consistent policy enforcement across resources.</a:t>
+            </a:r>
+          </a:p>
+          <a:p>
+            <a:pPr>
+              <a:buFont typeface="Wingdings" pitchFamily="2" charset="2"/>
+              <a:buChar char="§"/>
+            </a:pPr>
+            <a:r>
+              <a:rPr lang="en-GB" b="1" dirty="0"/>
+              <a:t>Next Steps:</a:t>
+            </a:r>
+            <a:r>
+              <a:rPr lang="en-GB" dirty="0"/>
+              <a:t> Explore hands-on labs to apply these concepts.</a:t>
+            </a:r>
+          </a:p>
+        </p:txBody>
+      </p:sp>
+      <p:sp>
+        <p:nvSpPr>
+          <p:cNvPr id="15" name="Text Placeholder 14">
+            <a:extLst>
+              <a:ext uri="{FF2B5EF4-FFF2-40B4-BE49-F238E27FC236}">
+                <a16:creationId xmlns:a16="http://schemas.microsoft.com/office/drawing/2014/main" id="{8FC1372C-AD28-1F0D-9DFF-BCA248371959}"/>
+              </a:ext>
+            </a:extLst>
+          </p:cNvPr>
+          <p:cNvSpPr>
+            <a:spLocks noGrp="1"/>
+          </p:cNvSpPr>
+          <p:nvPr>
+            <p:ph type="body" sz="quarter" idx="11"/>
+          </p:nvPr>
+        </p:nvSpPr>
+        <p:spPr/>
+        <p:txBody>
+          <a:bodyPr/>
+          <a:lstStyle/>
+          <a:p>
+            <a:r>
+              <a:rPr lang="en-GB" dirty="0"/>
+              <a:t>Enforcing and Consolidating Security Policies</a:t>
+            </a:r>
+          </a:p>
+        </p:txBody>
+      </p:sp>
+      <p:sp>
+        <p:nvSpPr>
+          <p:cNvPr id="5" name="Footer Placeholder 4">
+            <a:extLst>
+              <a:ext uri="{FF2B5EF4-FFF2-40B4-BE49-F238E27FC236}">
+                <a16:creationId xmlns:a16="http://schemas.microsoft.com/office/drawing/2014/main" id="{8E26EA1E-4422-DEED-B427-C352313BC835}"/>
+              </a:ext>
+            </a:extLst>
+          </p:cNvPr>
+          <p:cNvSpPr>
+            <a:spLocks noGrp="1"/>
+          </p:cNvSpPr>
+          <p:nvPr>
+            <p:ph type="ftr" sz="quarter" idx="3"/>
+          </p:nvPr>
+        </p:nvSpPr>
+        <p:spPr/>
+        <p:txBody>
+          <a:bodyPr/>
+          <a:lstStyle/>
+          <a:p>
+            <a:pPr algn="r" defTabSz="228600">
+              <a:spcAft>
+                <a:spcPts val="1200"/>
+              </a:spcAft>
+              <a:defRPr/>
+            </a:pPr>
+            <a:r>
+              <a:rPr lang="en-GB"/>
+              <a:t>Copyright © 2024 Accenture. All rights reserved.</a:t>
+            </a:r>
+            <a:endParaRPr lang="en-GB" dirty="0"/>
+          </a:p>
+        </p:txBody>
+      </p:sp>
+      <p:sp>
+        <p:nvSpPr>
+          <p:cNvPr id="6" name="Slide Number Placeholder 5">
+            <a:extLst>
+              <a:ext uri="{FF2B5EF4-FFF2-40B4-BE49-F238E27FC236}">
+                <a16:creationId xmlns:a16="http://schemas.microsoft.com/office/drawing/2014/main" id="{841722E1-3A24-C72A-58CD-0D32392CE543}"/>
+              </a:ext>
+            </a:extLst>
+          </p:cNvPr>
+          <p:cNvSpPr>
+            <a:spLocks noGrp="1"/>
+          </p:cNvSpPr>
+          <p:nvPr>
+            <p:ph type="sldNum" sz="quarter" idx="12"/>
+          </p:nvPr>
+        </p:nvSpPr>
+        <p:spPr/>
+        <p:txBody>
+          <a:bodyPr/>
+          <a:lstStyle/>
+          <a:p>
+            <a:fld id="{1F90F471-3972-4120-B8B3-0237DE626C35}" type="slidenum">
+              <a:rPr lang="en-US" smtClean="0"/>
+              <a:pPr/>
+              <a:t>5</a:t>
+            </a:fld>
+            <a:endParaRPr lang="en-US" dirty="0"/>
+          </a:p>
+        </p:txBody>
+      </p:sp>
+    </p:spTree>
+    <p:extLst>
+      <p:ext uri="{BB962C8B-B14F-4D97-AF65-F5344CB8AC3E}">
+        <p14:creationId xmlns:p14="http://schemas.microsoft.com/office/powerpoint/2010/main" val="2801012355"/>
+      </p:ext>
+    </p:extLst>
+  </p:cSld>
+  <p:clrMapOvr>
+    <a:masterClrMapping/>
+  </p:clrMapOvr>
+</p:sld>
+</file>
+
+<file path=ppt/slides/slide6.xml><?xml version="1.0" encoding="utf-8"?>
 <p:sld xmlns:a="http://schemas.openxmlformats.org/drawingml/2006/main" xmlns:r="http://schemas.openxmlformats.org/officeDocument/2006/relationships" xmlns:p="http://schemas.openxmlformats.org/presentationml/2006/main">
   <p:cSld>
     <p:spTree>
@@ -49478,7 +49375,7 @@
             <a:fld id="{1F90F471-3972-4120-B8B3-0237DE626C35}" type="slidenum">
               <a:rPr lang="en-US" smtClean="0"/>
               <a:pPr/>
-              <a:t>5</a:t>
+              <a:t>6</a:t>
             </a:fld>
             <a:endParaRPr lang="en-US" dirty="0"/>
           </a:p>
@@ -49527,7 +49424,7 @@
 </p:sld>
 </file>
 
-<file path=ppt/slides/slide6.xml><?xml version="1.0" encoding="utf-8"?>
+<file path=ppt/slides/slide7.xml><?xml version="1.0" encoding="utf-8"?>
 <p:sld xmlns:a="http://schemas.openxmlformats.org/drawingml/2006/main" xmlns:r="http://schemas.openxmlformats.org/officeDocument/2006/relationships" xmlns:p="http://schemas.openxmlformats.org/presentationml/2006/main">
   <p:cSld>
     <p:spTree>
@@ -49576,446 +49473,6 @@
     <p:extLst>
       <p:ext uri="{BB962C8B-B14F-4D97-AF65-F5344CB8AC3E}">
         <p14:creationId xmlns:p14="http://schemas.microsoft.com/office/powerpoint/2010/main" val="1185245159"/>
-      </p:ext>
-    </p:extLst>
-  </p:cSld>
-  <p:clrMapOvr>
-    <a:masterClrMapping/>
-  </p:clrMapOvr>
-</p:sld>
-</file>
-
-<file path=ppt/slides/slide7.xml><?xml version="1.0" encoding="utf-8"?>
-<p:sld xmlns:a="http://schemas.openxmlformats.org/drawingml/2006/main" xmlns:r="http://schemas.openxmlformats.org/officeDocument/2006/relationships" xmlns:p="http://schemas.openxmlformats.org/presentationml/2006/main">
-  <p:cSld>
-    <p:spTree>
-      <p:nvGrpSpPr>
-        <p:cNvPr id="1" name=""/>
-        <p:cNvGrpSpPr/>
-        <p:nvPr/>
-      </p:nvGrpSpPr>
-      <p:grpSpPr>
-        <a:xfrm>
-          <a:off x="0" y="0"/>
-          <a:ext cx="0" cy="0"/>
-          <a:chOff x="0" y="0"/>
-          <a:chExt cx="0" cy="0"/>
-        </a:xfrm>
-      </p:grpSpPr>
-      <p:sp>
-        <p:nvSpPr>
-          <p:cNvPr id="2" name="Title 1">
-            <a:extLst>
-              <a:ext uri="{FF2B5EF4-FFF2-40B4-BE49-F238E27FC236}">
-                <a16:creationId xmlns:a16="http://schemas.microsoft.com/office/drawing/2014/main" id="{0D6C7692-6056-46B2-E512-0759FB3D49D6}"/>
-              </a:ext>
-            </a:extLst>
-          </p:cNvPr>
-          <p:cNvSpPr>
-            <a:spLocks noGrp="1"/>
-          </p:cNvSpPr>
-          <p:nvPr>
-            <p:ph type="title"/>
-          </p:nvPr>
-        </p:nvSpPr>
-        <p:spPr/>
-        <p:txBody>
-          <a:bodyPr/>
-          <a:lstStyle/>
-          <a:p>
-            <a:endParaRPr lang="en-CH"/>
-          </a:p>
-        </p:txBody>
-      </p:sp>
-      <p:sp>
-        <p:nvSpPr>
-          <p:cNvPr id="3" name="Content Placeholder 2">
-            <a:extLst>
-              <a:ext uri="{FF2B5EF4-FFF2-40B4-BE49-F238E27FC236}">
-                <a16:creationId xmlns:a16="http://schemas.microsoft.com/office/drawing/2014/main" id="{0247D33A-9385-04FB-0CC0-B70A7E920902}"/>
-              </a:ext>
-            </a:extLst>
-          </p:cNvPr>
-          <p:cNvSpPr>
-            <a:spLocks noGrp="1"/>
-          </p:cNvSpPr>
-          <p:nvPr>
-            <p:ph sz="quarter" idx="10"/>
-          </p:nvPr>
-        </p:nvSpPr>
-        <p:spPr/>
-        <p:txBody>
-          <a:bodyPr/>
-          <a:lstStyle/>
-          <a:p>
-            <a:endParaRPr lang="en-CH"/>
-          </a:p>
-        </p:txBody>
-      </p:sp>
-      <p:sp>
-        <p:nvSpPr>
-          <p:cNvPr id="4" name="Text Placeholder 3">
-            <a:extLst>
-              <a:ext uri="{FF2B5EF4-FFF2-40B4-BE49-F238E27FC236}">
-                <a16:creationId xmlns:a16="http://schemas.microsoft.com/office/drawing/2014/main" id="{2FD8FD66-5E5A-2B7A-3205-6225AA27B3E2}"/>
-              </a:ext>
-            </a:extLst>
-          </p:cNvPr>
-          <p:cNvSpPr>
-            <a:spLocks noGrp="1"/>
-          </p:cNvSpPr>
-          <p:nvPr>
-            <p:ph type="body" sz="quarter" idx="11"/>
-          </p:nvPr>
-        </p:nvSpPr>
-        <p:spPr/>
-        <p:txBody>
-          <a:bodyPr/>
-          <a:lstStyle/>
-          <a:p>
-            <a:endParaRPr lang="en-CH"/>
-          </a:p>
-        </p:txBody>
-      </p:sp>
-      <p:sp>
-        <p:nvSpPr>
-          <p:cNvPr id="5" name="Footer Placeholder 4">
-            <a:extLst>
-              <a:ext uri="{FF2B5EF4-FFF2-40B4-BE49-F238E27FC236}">
-                <a16:creationId xmlns:a16="http://schemas.microsoft.com/office/drawing/2014/main" id="{342E9261-50DD-8A5B-F1A3-562699A03820}"/>
-              </a:ext>
-            </a:extLst>
-          </p:cNvPr>
-          <p:cNvSpPr>
-            <a:spLocks noGrp="1"/>
-          </p:cNvSpPr>
-          <p:nvPr>
-            <p:ph type="ftr" sz="quarter" idx="3"/>
-          </p:nvPr>
-        </p:nvSpPr>
-        <p:spPr/>
-        <p:txBody>
-          <a:bodyPr/>
-          <a:lstStyle/>
-          <a:p>
-            <a:pPr algn="r" defTabSz="228600">
-              <a:spcAft>
-                <a:spcPts val="1200"/>
-              </a:spcAft>
-              <a:defRPr/>
-            </a:pPr>
-            <a:r>
-              <a:rPr lang="en-GB"/>
-              <a:t>Copyright © 2024 Accenture. All rights reserved.</a:t>
-            </a:r>
-            <a:endParaRPr lang="en-GB" dirty="0"/>
-          </a:p>
-        </p:txBody>
-      </p:sp>
-      <p:sp>
-        <p:nvSpPr>
-          <p:cNvPr id="6" name="Slide Number Placeholder 5">
-            <a:extLst>
-              <a:ext uri="{FF2B5EF4-FFF2-40B4-BE49-F238E27FC236}">
-                <a16:creationId xmlns:a16="http://schemas.microsoft.com/office/drawing/2014/main" id="{7C6A8576-31FF-8987-09BD-993D383AD971}"/>
-              </a:ext>
-            </a:extLst>
-          </p:cNvPr>
-          <p:cNvSpPr>
-            <a:spLocks noGrp="1"/>
-          </p:cNvSpPr>
-          <p:nvPr>
-            <p:ph type="sldNum" sz="quarter" idx="12"/>
-          </p:nvPr>
-        </p:nvSpPr>
-        <p:spPr/>
-        <p:txBody>
-          <a:bodyPr/>
-          <a:lstStyle/>
-          <a:p>
-            <a:fld id="{1F90F471-3972-4120-B8B3-0237DE626C35}" type="slidenum">
-              <a:rPr lang="en-US" smtClean="0"/>
-              <a:pPr/>
-              <a:t>7</a:t>
-            </a:fld>
-            <a:endParaRPr lang="en-US" dirty="0"/>
-          </a:p>
-        </p:txBody>
-      </p:sp>
-      <p:sp>
-        <p:nvSpPr>
-          <p:cNvPr id="7" name="Content Placeholder 6">
-            <a:extLst>
-              <a:ext uri="{FF2B5EF4-FFF2-40B4-BE49-F238E27FC236}">
-                <a16:creationId xmlns:a16="http://schemas.microsoft.com/office/drawing/2014/main" id="{5360B527-E95B-DFB0-6918-0750421D59BC}"/>
-              </a:ext>
-            </a:extLst>
-          </p:cNvPr>
-          <p:cNvSpPr>
-            <a:spLocks noGrp="1"/>
-          </p:cNvSpPr>
-          <p:nvPr>
-            <p:ph sz="quarter" idx="13"/>
-          </p:nvPr>
-        </p:nvSpPr>
-        <p:spPr/>
-        <p:txBody>
-          <a:bodyPr/>
-          <a:lstStyle/>
-          <a:p>
-            <a:endParaRPr lang="en-CH"/>
-          </a:p>
-        </p:txBody>
-      </p:sp>
-      <p:sp>
-        <p:nvSpPr>
-          <p:cNvPr id="8" name="Content Placeholder 7">
-            <a:extLst>
-              <a:ext uri="{FF2B5EF4-FFF2-40B4-BE49-F238E27FC236}">
-                <a16:creationId xmlns:a16="http://schemas.microsoft.com/office/drawing/2014/main" id="{50BD9527-5538-749A-E637-24049E723DE9}"/>
-              </a:ext>
-            </a:extLst>
-          </p:cNvPr>
-          <p:cNvSpPr>
-            <a:spLocks noGrp="1"/>
-          </p:cNvSpPr>
-          <p:nvPr>
-            <p:ph sz="quarter" idx="14"/>
-          </p:nvPr>
-        </p:nvSpPr>
-        <p:spPr/>
-        <p:txBody>
-          <a:bodyPr/>
-          <a:lstStyle/>
-          <a:p>
-            <a:endParaRPr lang="en-CH"/>
-          </a:p>
-        </p:txBody>
-      </p:sp>
-      <p:sp>
-        <p:nvSpPr>
-          <p:cNvPr id="9" name="Content Placeholder 8">
-            <a:extLst>
-              <a:ext uri="{FF2B5EF4-FFF2-40B4-BE49-F238E27FC236}">
-                <a16:creationId xmlns:a16="http://schemas.microsoft.com/office/drawing/2014/main" id="{979DD57F-E3E2-D169-BD1A-888DFC4F0F41}"/>
-              </a:ext>
-            </a:extLst>
-          </p:cNvPr>
-          <p:cNvSpPr>
-            <a:spLocks noGrp="1"/>
-          </p:cNvSpPr>
-          <p:nvPr>
-            <p:ph sz="quarter" idx="15"/>
-          </p:nvPr>
-        </p:nvSpPr>
-        <p:spPr/>
-        <p:txBody>
-          <a:bodyPr/>
-          <a:lstStyle/>
-          <a:p>
-            <a:endParaRPr lang="en-CH"/>
-          </a:p>
-        </p:txBody>
-      </p:sp>
-    </p:spTree>
-    <p:extLst>
-      <p:ext uri="{BB962C8B-B14F-4D97-AF65-F5344CB8AC3E}">
-        <p14:creationId xmlns:p14="http://schemas.microsoft.com/office/powerpoint/2010/main" val="1130870106"/>
-      </p:ext>
-    </p:extLst>
-  </p:cSld>
-  <p:clrMapOvr>
-    <a:masterClrMapping/>
-  </p:clrMapOvr>
-</p:sld>
-</file>
-
-<file path=ppt/slides/slide8.xml><?xml version="1.0" encoding="utf-8"?>
-<p:sld xmlns:a="http://schemas.openxmlformats.org/drawingml/2006/main" xmlns:r="http://schemas.openxmlformats.org/officeDocument/2006/relationships" xmlns:p="http://schemas.openxmlformats.org/presentationml/2006/main">
-  <p:cSld>
-    <p:spTree>
-      <p:nvGrpSpPr>
-        <p:cNvPr id="1" name=""/>
-        <p:cNvGrpSpPr/>
-        <p:nvPr/>
-      </p:nvGrpSpPr>
-      <p:grpSpPr>
-        <a:xfrm>
-          <a:off x="0" y="0"/>
-          <a:ext cx="0" cy="0"/>
-          <a:chOff x="0" y="0"/>
-          <a:chExt cx="0" cy="0"/>
-        </a:xfrm>
-      </p:grpSpPr>
-      <p:sp>
-        <p:nvSpPr>
-          <p:cNvPr id="10" name="Title 9">
-            <a:extLst>
-              <a:ext uri="{FF2B5EF4-FFF2-40B4-BE49-F238E27FC236}">
-                <a16:creationId xmlns:a16="http://schemas.microsoft.com/office/drawing/2014/main" id="{2877B19A-A6F2-8461-8303-8E9390F952AB}"/>
-              </a:ext>
-            </a:extLst>
-          </p:cNvPr>
-          <p:cNvSpPr>
-            <a:spLocks noGrp="1"/>
-          </p:cNvSpPr>
-          <p:nvPr>
-            <p:ph type="title"/>
-          </p:nvPr>
-        </p:nvSpPr>
-        <p:spPr/>
-        <p:txBody>
-          <a:bodyPr/>
-          <a:lstStyle/>
-          <a:p>
-            <a:endParaRPr lang="en-CH"/>
-          </a:p>
-        </p:txBody>
-      </p:sp>
-      <p:sp>
-        <p:nvSpPr>
-          <p:cNvPr id="11" name="Content Placeholder 10">
-            <a:extLst>
-              <a:ext uri="{FF2B5EF4-FFF2-40B4-BE49-F238E27FC236}">
-                <a16:creationId xmlns:a16="http://schemas.microsoft.com/office/drawing/2014/main" id="{93C9C4BA-F786-037F-115D-1D4B70D08D6B}"/>
-              </a:ext>
-            </a:extLst>
-          </p:cNvPr>
-          <p:cNvSpPr>
-            <a:spLocks noGrp="1"/>
-          </p:cNvSpPr>
-          <p:nvPr>
-            <p:ph sz="quarter" idx="10"/>
-          </p:nvPr>
-        </p:nvSpPr>
-        <p:spPr/>
-        <p:txBody>
-          <a:bodyPr/>
-          <a:lstStyle/>
-          <a:p>
-            <a:endParaRPr lang="en-CH"/>
-          </a:p>
-        </p:txBody>
-      </p:sp>
-      <p:sp>
-        <p:nvSpPr>
-          <p:cNvPr id="12" name="Text Placeholder 11">
-            <a:extLst>
-              <a:ext uri="{FF2B5EF4-FFF2-40B4-BE49-F238E27FC236}">
-                <a16:creationId xmlns:a16="http://schemas.microsoft.com/office/drawing/2014/main" id="{978AAEBF-DB92-62C1-D03A-4A40C0975A6F}"/>
-              </a:ext>
-            </a:extLst>
-          </p:cNvPr>
-          <p:cNvSpPr>
-            <a:spLocks noGrp="1"/>
-          </p:cNvSpPr>
-          <p:nvPr>
-            <p:ph type="body" sz="quarter" idx="11"/>
-          </p:nvPr>
-        </p:nvSpPr>
-        <p:spPr/>
-        <p:txBody>
-          <a:bodyPr/>
-          <a:lstStyle/>
-          <a:p>
-            <a:endParaRPr lang="en-CH"/>
-          </a:p>
-        </p:txBody>
-      </p:sp>
-      <p:sp>
-        <p:nvSpPr>
-          <p:cNvPr id="5" name="Footer Placeholder 4">
-            <a:extLst>
-              <a:ext uri="{FF2B5EF4-FFF2-40B4-BE49-F238E27FC236}">
-                <a16:creationId xmlns:a16="http://schemas.microsoft.com/office/drawing/2014/main" id="{BFBED2C4-80A4-E78D-0564-A7AAFDFE38D0}"/>
-              </a:ext>
-            </a:extLst>
-          </p:cNvPr>
-          <p:cNvSpPr>
-            <a:spLocks noGrp="1"/>
-          </p:cNvSpPr>
-          <p:nvPr>
-            <p:ph type="ftr" sz="quarter" idx="3"/>
-          </p:nvPr>
-        </p:nvSpPr>
-        <p:spPr/>
-        <p:txBody>
-          <a:bodyPr/>
-          <a:lstStyle/>
-          <a:p>
-            <a:pPr algn="r" defTabSz="228600">
-              <a:spcAft>
-                <a:spcPts val="1200"/>
-              </a:spcAft>
-              <a:defRPr/>
-            </a:pPr>
-            <a:r>
-              <a:rPr lang="en-GB"/>
-              <a:t>Copyright © 2024 Accenture. All rights reserved.</a:t>
-            </a:r>
-            <a:endParaRPr lang="en-GB" dirty="0"/>
-          </a:p>
-        </p:txBody>
-      </p:sp>
-      <p:sp>
-        <p:nvSpPr>
-          <p:cNvPr id="6" name="Slide Number Placeholder 5">
-            <a:extLst>
-              <a:ext uri="{FF2B5EF4-FFF2-40B4-BE49-F238E27FC236}">
-                <a16:creationId xmlns:a16="http://schemas.microsoft.com/office/drawing/2014/main" id="{A9FFEC4D-507B-FEF9-CB06-E4D8A4B825BE}"/>
-              </a:ext>
-            </a:extLst>
-          </p:cNvPr>
-          <p:cNvSpPr>
-            <a:spLocks noGrp="1"/>
-          </p:cNvSpPr>
-          <p:nvPr>
-            <p:ph type="sldNum" sz="quarter" idx="12"/>
-          </p:nvPr>
-        </p:nvSpPr>
-        <p:spPr/>
-        <p:txBody>
-          <a:bodyPr/>
-          <a:lstStyle/>
-          <a:p>
-            <a:fld id="{1F90F471-3972-4120-B8B3-0237DE626C35}" type="slidenum">
-              <a:rPr lang="en-US" smtClean="0"/>
-              <a:pPr/>
-              <a:t>8</a:t>
-            </a:fld>
-            <a:endParaRPr lang="en-US" dirty="0"/>
-          </a:p>
-        </p:txBody>
-      </p:sp>
-      <p:sp>
-        <p:nvSpPr>
-          <p:cNvPr id="13" name="Content Placeholder 12">
-            <a:extLst>
-              <a:ext uri="{FF2B5EF4-FFF2-40B4-BE49-F238E27FC236}">
-                <a16:creationId xmlns:a16="http://schemas.microsoft.com/office/drawing/2014/main" id="{D0E28A2F-3284-DC08-057E-1E3D9719FCF9}"/>
-              </a:ext>
-            </a:extLst>
-          </p:cNvPr>
-          <p:cNvSpPr>
-            <a:spLocks noGrp="1"/>
-          </p:cNvSpPr>
-          <p:nvPr>
-            <p:ph sz="quarter" idx="15"/>
-          </p:nvPr>
-        </p:nvSpPr>
-        <p:spPr/>
-        <p:txBody>
-          <a:bodyPr/>
-          <a:lstStyle/>
-          <a:p>
-            <a:endParaRPr lang="en-CH"/>
-          </a:p>
-        </p:txBody>
-      </p:sp>
-    </p:spTree>
-    <p:extLst>
-      <p:ext uri="{BB962C8B-B14F-4D97-AF65-F5344CB8AC3E}">
-        <p14:creationId xmlns:p14="http://schemas.microsoft.com/office/powerpoint/2010/main" val="1761035848"/>
       </p:ext>
     </p:extLst>
   </p:cSld>
@@ -50564,9 +50021,12 @@
 </file>
 
 <file path=customXml/item1.xml><?xml version="1.0" encoding="utf-8"?>
-<p:properties xmlns:p="http://schemas.microsoft.com/office/2006/metadata/properties" xmlns:xsi="http://www.w3.org/2001/XMLSchema-instance" xmlns:pc="http://schemas.microsoft.com/office/infopath/2007/PartnerControls">
-  <documentManagement/>
-</p:properties>
+<?mso-contentType ?>
+<FormTemplates xmlns="http://schemas.microsoft.com/sharepoint/v3/contenttype/forms">
+  <Display>DocumentLibraryForm</Display>
+  <Edit>DocumentLibraryForm</Edit>
+  <New>DocumentLibraryForm</New>
+</FormTemplates>
 </file>
 
 <file path=customXml/item2.xml><?xml version="1.0" encoding="utf-8"?>
@@ -50702,26 +50162,15 @@
 </file>
 
 <file path=customXml/item3.xml><?xml version="1.0" encoding="utf-8"?>
-<?mso-contentType ?>
-<FormTemplates xmlns="http://schemas.microsoft.com/sharepoint/v3/contenttype/forms">
-  <Display>DocumentLibraryForm</Display>
-  <Edit>DocumentLibraryForm</Edit>
-  <New>DocumentLibraryForm</New>
-</FormTemplates>
+<p:properties xmlns:p="http://schemas.microsoft.com/office/2006/metadata/properties" xmlns:xsi="http://www.w3.org/2001/XMLSchema-instance" xmlns:pc="http://schemas.microsoft.com/office/infopath/2007/PartnerControls">
+  <documentManagement/>
+</p:properties>
 </file>
 
 <file path=customXml/itemProps1.xml><?xml version="1.0" encoding="utf-8"?>
-<ds:datastoreItem xmlns:ds="http://schemas.openxmlformats.org/officeDocument/2006/customXml" ds:itemID="{46BFFC05-B2F6-4CED-BE65-F75B1EB7AD7B}">
+<ds:datastoreItem xmlns:ds="http://schemas.openxmlformats.org/officeDocument/2006/customXml" ds:itemID="{79831B46-6CD1-40D2-9FB5-3E58559F90A3}">
   <ds:schemaRefs>
-    <ds:schemaRef ds:uri="http://purl.org/dc/elements/1.1/"/>
-    <ds:schemaRef ds:uri="http://purl.org/dc/terms/"/>
-    <ds:schemaRef ds:uri="http://schemas.microsoft.com/office/2006/metadata/properties"/>
-    <ds:schemaRef ds:uri="http://schemas.microsoft.com/office/infopath/2007/PartnerControls"/>
-    <ds:schemaRef ds:uri="http://purl.org/dc/dcmitype/"/>
-    <ds:schemaRef ds:uri="http://schemas.microsoft.com/office/2006/documentManagement/types"/>
-    <ds:schemaRef ds:uri="http://schemas.openxmlformats.org/package/2006/metadata/core-properties"/>
-    <ds:schemaRef ds:uri="5d757215-fbc3-4533-822f-84ec73f97a40"/>
-    <ds:schemaRef ds:uri="http://www.w3.org/XML/1998/namespace"/>
+    <ds:schemaRef ds:uri="http://schemas.microsoft.com/sharepoint/v3/contenttype/forms"/>
   </ds:schemaRefs>
 </ds:datastoreItem>
 </file>
@@ -50745,9 +50194,17 @@
 </file>
 
 <file path=customXml/itemProps3.xml><?xml version="1.0" encoding="utf-8"?>
-<ds:datastoreItem xmlns:ds="http://schemas.openxmlformats.org/officeDocument/2006/customXml" ds:itemID="{79831B46-6CD1-40D2-9FB5-3E58559F90A3}">
+<ds:datastoreItem xmlns:ds="http://schemas.openxmlformats.org/officeDocument/2006/customXml" ds:itemID="{46BFFC05-B2F6-4CED-BE65-F75B1EB7AD7B}">
   <ds:schemaRefs>
-    <ds:schemaRef ds:uri="http://schemas.microsoft.com/sharepoint/v3/contenttype/forms"/>
+    <ds:schemaRef ds:uri="http://purl.org/dc/elements/1.1/"/>
+    <ds:schemaRef ds:uri="http://purl.org/dc/terms/"/>
+    <ds:schemaRef ds:uri="http://schemas.microsoft.com/office/2006/metadata/properties"/>
+    <ds:schemaRef ds:uri="http://schemas.microsoft.com/office/infopath/2007/PartnerControls"/>
+    <ds:schemaRef ds:uri="http://purl.org/dc/dcmitype/"/>
+    <ds:schemaRef ds:uri="http://schemas.microsoft.com/office/2006/documentManagement/types"/>
+    <ds:schemaRef ds:uri="http://schemas.openxmlformats.org/package/2006/metadata/core-properties"/>
+    <ds:schemaRef ds:uri="5d757215-fbc3-4533-822f-84ec73f97a40"/>
+    <ds:schemaRef ds:uri="http://www.w3.org/XML/1998/namespace"/>
   </ds:schemaRefs>
 </ds:datastoreItem>
 </file>
